--- a/AngularJS/lesson_16/Presentation/Routing.pptx
+++ b/AngularJS/lesson_16/Presentation/Routing.pptx
@@ -2692,19 +2692,19 @@
               <a:rPr lang="ru-RU" sz="1800" dirty="0">
                 <a:latin typeface="Calibri" pitchFamily="34" charset="0"/>
               </a:rPr>
-              <a:t> — параметр объекта и содержит сведения о сопоставлении, которые должны быть назначены, пока рассматривается подходящий маршрут (т. е. мы хотим обработать недавно зарегистрированный маршрут с определённым контроллером; свойство </a:t>
-            </a:r>
-            <a:r>
-              <a:rPr lang="ru-RU" sz="1800" dirty="0" err="1">
-                <a:latin typeface="Calibri" pitchFamily="34" charset="0"/>
-              </a:rPr>
-              <a:t>controller</a:t>
+              <a:t> — параметр объекта</a:t>
+            </a:r>
+            <a:r>
+              <a:rPr lang="en-US" sz="1800" dirty="0">
+                <a:latin typeface="Calibri" pitchFamily="34" charset="0"/>
+              </a:rPr>
+              <a:t>,</a:t>
             </a:r>
             <a:r>
               <a:rPr lang="ru-RU" sz="1800" dirty="0">
                 <a:latin typeface="Calibri" pitchFamily="34" charset="0"/>
               </a:rPr>
-              <a:t> несёт ответственность за это дело).</a:t>
+              <a:t> содержит сведения подходящем маршруте (обработка недавно зарегистрированного маршрута с определённым контроллером).</a:t>
             </a:r>
           </a:p>
           <a:p>
